--- a/情感分类.pptx
+++ b/情感分类.pptx
@@ -212,7 +212,7 @@
           <a:p>
             <a:fld id="{0F9B84EA-7D68-4D60-9CB1-D50884785D1C}" type="datetimeFigureOut">
               <a:rPr lang="zh-CN" altLang="en-US" smtClean="0"/>
-              <a:t>3/23/19</a:t>
+              <a:t>3/29/19</a:t>
             </a:fld>
             <a:endParaRPr lang="zh-CN" altLang="en-US"/>
           </a:p>
@@ -378,7 +378,7 @@
           <a:p>
             <a:fld id="{B543DE76-AB28-4417-8D9D-28409C43EEBE}" type="datetimeFigureOut">
               <a:rPr lang="zh-CN" altLang="en-US" smtClean="0"/>
-              <a:t>3/23/19</a:t>
+              <a:t>3/29/19</a:t>
             </a:fld>
             <a:endParaRPr lang="zh-CN" altLang="en-US"/>
           </a:p>
@@ -2968,7 +2968,7 @@
           <a:p>
             <a:r>
               <a:rPr lang="zh-CN" altLang="en-US" dirty="0" smtClean="0"/>
-              <a:t>情感分类</a:t>
+              <a:t>文本分类</a:t>
             </a:r>
             <a:endParaRPr lang="zh-CN" altLang="en-US" dirty="0"/>
           </a:p>
@@ -5102,7 +5102,7 @@
         </p:blipFill>
         <p:spPr bwMode="auto">
           <a:xfrm>
-            <a:off x="8360834" y="2119313"/>
+            <a:off x="6796729" y="2105945"/>
             <a:ext cx="1392767" cy="349250"/>
           </a:xfrm>
           <a:prstGeom prst="rect">
@@ -5156,8 +5156,8 @@
         </p:blipFill>
         <p:spPr bwMode="auto">
           <a:xfrm>
-            <a:off x="2548468" y="3155950"/>
-            <a:ext cx="5439833" cy="654050"/>
+            <a:off x="2187521" y="3289634"/>
+            <a:ext cx="4296164" cy="654050"/>
           </a:xfrm>
           <a:prstGeom prst="rect">
             <a:avLst/>
@@ -5611,7 +5611,7 @@
         </p:blipFill>
         <p:spPr bwMode="auto">
           <a:xfrm>
-            <a:off x="2317751" y="4024313"/>
+            <a:off x="2317751" y="4345156"/>
             <a:ext cx="2226733" cy="347662"/>
           </a:xfrm>
           <a:prstGeom prst="rect">
@@ -6489,8 +6489,8 @@
         </p:blipFill>
         <p:spPr bwMode="auto">
           <a:xfrm>
-            <a:off x="2336801" y="3352801"/>
-            <a:ext cx="5177367" cy="614363"/>
+            <a:off x="2336802" y="3352801"/>
+            <a:ext cx="4748658" cy="563491"/>
           </a:xfrm>
           <a:prstGeom prst="rect">
             <a:avLst/>
@@ -6543,8 +6543,8 @@
         </p:blipFill>
         <p:spPr bwMode="auto">
           <a:xfrm>
-            <a:off x="7823200" y="3581400"/>
-            <a:ext cx="999067" cy="249238"/>
+            <a:off x="7823201" y="3581400"/>
+            <a:ext cx="916340" cy="228600"/>
           </a:xfrm>
           <a:prstGeom prst="rect">
             <a:avLst/>
@@ -6832,8 +6832,8 @@
         </p:blipFill>
         <p:spPr bwMode="auto">
           <a:xfrm>
-            <a:off x="948267" y="5340350"/>
-            <a:ext cx="10333567" cy="331788"/>
+            <a:off x="948267" y="5340349"/>
+            <a:ext cx="9830713" cy="354597"/>
           </a:xfrm>
           <a:prstGeom prst="rect">
             <a:avLst/>
@@ -7161,184 +7161,6 @@
               </a:rPr>
               <a:t>/31</a:t>
             </a:r>
-          </a:p>
-        </p:txBody>
-      </p:sp>
-      <p:sp>
-        <p:nvSpPr>
-          <p:cNvPr id="50187" name="TextBox 1"/>
-          <p:cNvSpPr txBox="1">
-            <a:spLocks noChangeArrowheads="1"/>
-          </p:cNvSpPr>
-          <p:nvPr/>
-        </p:nvSpPr>
-        <p:spPr bwMode="auto">
-          <a:xfrm>
-            <a:off x="8128000" y="1600200"/>
-            <a:ext cx="3556000" cy="369888"/>
-          </a:xfrm>
-          <a:prstGeom prst="rect">
-            <a:avLst/>
-          </a:prstGeom>
-          <a:noFill/>
-          <a:ln>
-            <a:noFill/>
-          </a:ln>
-          <a:extLst>
-            <a:ext uri="{909E8E84-426E-40dd-AFC4-6F175D3DCCD1}">
-              <a14:hiddenFill xmlns:a14="http://schemas.microsoft.com/office/drawing/2010/main">
-                <a:solidFill>
-                  <a:srgbClr val="FFFFFF"/>
-                </a:solidFill>
-              </a14:hiddenFill>
-            </a:ext>
-            <a:ext uri="{91240B29-F687-4f45-9708-019B960494DF}">
-              <a14:hiddenLine xmlns:a14="http://schemas.microsoft.com/office/drawing/2010/main" w="9525">
-                <a:solidFill>
-                  <a:srgbClr val="000000"/>
-                </a:solidFill>
-                <a:miter lim="800000"/>
-                <a:headEnd/>
-                <a:tailEnd/>
-              </a14:hiddenLine>
-            </a:ext>
-          </a:extLst>
-        </p:spPr>
-        <p:txBody>
-          <a:bodyPr>
-            <a:spAutoFit/>
-          </a:bodyPr>
-          <a:lstStyle>
-            <a:lvl1pPr eaLnBrk="0" hangingPunct="0">
-              <a:defRPr sz="2400">
-                <a:solidFill>
-                  <a:schemeClr val="tx1"/>
-                </a:solidFill>
-                <a:latin typeface="Times New Roman" charset="0"/>
-                <a:ea typeface="华文新魏" charset="0"/>
-                <a:cs typeface="华文新魏" charset="0"/>
-              </a:defRPr>
-            </a:lvl1pPr>
-            <a:lvl2pPr marL="742950" indent="-285750" eaLnBrk="0" hangingPunct="0">
-              <a:defRPr sz="2400">
-                <a:solidFill>
-                  <a:schemeClr val="tx1"/>
-                </a:solidFill>
-                <a:latin typeface="Times New Roman" charset="0"/>
-                <a:ea typeface="华文新魏" charset="0"/>
-                <a:cs typeface="华文新魏" charset="0"/>
-              </a:defRPr>
-            </a:lvl2pPr>
-            <a:lvl3pPr marL="1143000" indent="-228600" eaLnBrk="0" hangingPunct="0">
-              <a:defRPr sz="2400">
-                <a:solidFill>
-                  <a:schemeClr val="tx1"/>
-                </a:solidFill>
-                <a:latin typeface="Times New Roman" charset="0"/>
-                <a:ea typeface="华文新魏" charset="0"/>
-                <a:cs typeface="华文新魏" charset="0"/>
-              </a:defRPr>
-            </a:lvl3pPr>
-            <a:lvl4pPr marL="1600200" indent="-228600" eaLnBrk="0" hangingPunct="0">
-              <a:defRPr sz="2400">
-                <a:solidFill>
-                  <a:schemeClr val="tx1"/>
-                </a:solidFill>
-                <a:latin typeface="Times New Roman" charset="0"/>
-                <a:ea typeface="华文新魏" charset="0"/>
-                <a:cs typeface="华文新魏" charset="0"/>
-              </a:defRPr>
-            </a:lvl4pPr>
-            <a:lvl5pPr marL="2057400" indent="-228600" eaLnBrk="0" hangingPunct="0">
-              <a:defRPr sz="2400">
-                <a:solidFill>
-                  <a:schemeClr val="tx1"/>
-                </a:solidFill>
-                <a:latin typeface="Times New Roman" charset="0"/>
-                <a:ea typeface="华文新魏" charset="0"/>
-                <a:cs typeface="华文新魏" charset="0"/>
-              </a:defRPr>
-            </a:lvl5pPr>
-            <a:lvl6pPr marL="2514600" indent="-228600" eaLnBrk="0" fontAlgn="base" hangingPunct="0">
-              <a:spcBef>
-                <a:spcPct val="0"/>
-              </a:spcBef>
-              <a:spcAft>
-                <a:spcPct val="0"/>
-              </a:spcAft>
-              <a:buFont typeface="Arial" charset="0"/>
-              <a:defRPr sz="2400">
-                <a:solidFill>
-                  <a:schemeClr val="tx1"/>
-                </a:solidFill>
-                <a:latin typeface="Times New Roman" charset="0"/>
-                <a:ea typeface="华文新魏" charset="0"/>
-                <a:cs typeface="华文新魏" charset="0"/>
-              </a:defRPr>
-            </a:lvl6pPr>
-            <a:lvl7pPr marL="2971800" indent="-228600" eaLnBrk="0" fontAlgn="base" hangingPunct="0">
-              <a:spcBef>
-                <a:spcPct val="0"/>
-              </a:spcBef>
-              <a:spcAft>
-                <a:spcPct val="0"/>
-              </a:spcAft>
-              <a:buFont typeface="Arial" charset="0"/>
-              <a:defRPr sz="2400">
-                <a:solidFill>
-                  <a:schemeClr val="tx1"/>
-                </a:solidFill>
-                <a:latin typeface="Times New Roman" charset="0"/>
-                <a:ea typeface="华文新魏" charset="0"/>
-                <a:cs typeface="华文新魏" charset="0"/>
-              </a:defRPr>
-            </a:lvl7pPr>
-            <a:lvl8pPr marL="3429000" indent="-228600" eaLnBrk="0" fontAlgn="base" hangingPunct="0">
-              <a:spcBef>
-                <a:spcPct val="0"/>
-              </a:spcBef>
-              <a:spcAft>
-                <a:spcPct val="0"/>
-              </a:spcAft>
-              <a:buFont typeface="Arial" charset="0"/>
-              <a:defRPr sz="2400">
-                <a:solidFill>
-                  <a:schemeClr val="tx1"/>
-                </a:solidFill>
-                <a:latin typeface="Times New Roman" charset="0"/>
-                <a:ea typeface="华文新魏" charset="0"/>
-                <a:cs typeface="华文新魏" charset="0"/>
-              </a:defRPr>
-            </a:lvl8pPr>
-            <a:lvl9pPr marL="3886200" indent="-228600" eaLnBrk="0" fontAlgn="base" hangingPunct="0">
-              <a:spcBef>
-                <a:spcPct val="0"/>
-              </a:spcBef>
-              <a:spcAft>
-                <a:spcPct val="0"/>
-              </a:spcAft>
-              <a:buFont typeface="Arial" charset="0"/>
-              <a:defRPr sz="2400">
-                <a:solidFill>
-                  <a:schemeClr val="tx1"/>
-                </a:solidFill>
-                <a:latin typeface="Times New Roman" charset="0"/>
-                <a:ea typeface="华文新魏" charset="0"/>
-                <a:cs typeface="华文新魏" charset="0"/>
-              </a:defRPr>
-            </a:lvl9pPr>
-          </a:lstStyle>
-          <a:p>
-            <a:pPr eaLnBrk="1" hangingPunct="1"/>
-            <a:r>
-              <a:rPr lang="en-US" sz="1800"/>
-              <a:t>h</a:t>
-            </a:r>
-            <a:r>
-              <a:rPr lang="en-US" altLang="zh-CN" sz="1800"/>
-              <a:t>-gram</a:t>
-            </a:r>
-            <a:endParaRPr lang="en-US" sz="1800"/>
           </a:p>
         </p:txBody>
       </p:sp>
@@ -7606,8 +7428,8 @@
         </p:blipFill>
         <p:spPr bwMode="auto">
           <a:xfrm>
-            <a:off x="5941485" y="2009775"/>
-            <a:ext cx="2214033" cy="330200"/>
+            <a:off x="4885380" y="2009775"/>
+            <a:ext cx="1999357" cy="330200"/>
           </a:xfrm>
           <a:prstGeom prst="rect">
             <a:avLst/>
@@ -8067,8 +7889,8 @@
         </p:blipFill>
         <p:spPr bwMode="auto">
           <a:xfrm>
-            <a:off x="6705600" y="3886200"/>
-            <a:ext cx="2904067" cy="330200"/>
+            <a:off x="5489075" y="3872831"/>
+            <a:ext cx="2625558" cy="330200"/>
           </a:xfrm>
           <a:prstGeom prst="rect">
             <a:avLst/>
@@ -8888,8 +8710,8 @@
         </p:blipFill>
         <p:spPr bwMode="auto">
           <a:xfrm>
-            <a:off x="4754034" y="1901826"/>
-            <a:ext cx="2434167" cy="525463"/>
+            <a:off x="4754035" y="1901826"/>
+            <a:ext cx="2304492" cy="525463"/>
           </a:xfrm>
           <a:prstGeom prst="rect">
             <a:avLst/>
@@ -8943,7 +8765,7 @@
         <p:spPr bwMode="auto">
           <a:xfrm>
             <a:off x="5181600" y="2608264"/>
-            <a:ext cx="3515784" cy="561975"/>
+            <a:ext cx="3280611" cy="561975"/>
           </a:xfrm>
           <a:prstGeom prst="rect">
             <a:avLst/>
@@ -9300,8 +9122,8 @@
         </p:blipFill>
         <p:spPr bwMode="auto">
           <a:xfrm>
-            <a:off x="8811685" y="2743201"/>
-            <a:ext cx="1356783" cy="258763"/>
+            <a:off x="8811686" y="2743201"/>
+            <a:ext cx="1247690" cy="237957"/>
           </a:xfrm>
           <a:prstGeom prst="rect">
             <a:avLst/>
@@ -9355,7 +9177,7 @@
         <p:spPr bwMode="auto">
           <a:xfrm>
             <a:off x="4064000" y="4343401"/>
-            <a:ext cx="1769533" cy="449263"/>
+            <a:ext cx="1737895" cy="478723"/>
           </a:xfrm>
           <a:prstGeom prst="rect">
             <a:avLst/>
@@ -9746,8 +9568,8 @@
         </p:blipFill>
         <p:spPr bwMode="auto">
           <a:xfrm>
-            <a:off x="0" y="1503364"/>
-            <a:ext cx="12192000" cy="5354637"/>
+            <a:off x="441159" y="1155785"/>
+            <a:ext cx="11229474" cy="5354637"/>
           </a:xfrm>
           <a:prstGeom prst="rect">
             <a:avLst/>
@@ -12277,9 +12099,9 @@
         <p:grpSpPr>
           <a:xfrm>
             <a:off x="669926" y="1169733"/>
-            <a:ext cx="10850559" cy="2354690"/>
+            <a:ext cx="10850559" cy="2099402"/>
             <a:chOff x="669926" y="1169733"/>
-            <a:chExt cx="10850559" cy="2354690"/>
+            <a:chExt cx="10850559" cy="2099402"/>
           </a:xfrm>
         </p:grpSpPr>
         <p:sp>
@@ -12969,8 +12791,8 @@
           </p:nvCxnSpPr>
           <p:spPr>
             <a:xfrm flipH="1">
-              <a:off x="5822193" y="1309551"/>
-              <a:ext cx="6383" cy="2214872"/>
+              <a:off x="5801895" y="1309551"/>
+              <a:ext cx="26682" cy="1377502"/>
             </a:xfrm>
             <a:prstGeom prst="line">
               <a:avLst/>
@@ -13017,44 +12839,6 @@
               <a:solidFill>
                 <a:schemeClr val="accent1">
                   <a:lumMod val="100000"/>
-                </a:schemeClr>
-              </a:solidFill>
-              <a:prstDash val="solid"/>
-              <a:round/>
-              <a:headEnd type="none" w="med" len="med"/>
-              <a:tailEnd type="none" w="med" len="med"/>
-            </a:ln>
-          </p:spPr>
-          <p:txBody>
-            <a:bodyPr anchor="ctr"/>
-            <a:lstStyle/>
-            <a:p>
-              <a:pPr algn="ctr"/>
-              <a:endParaRPr/>
-            </a:p>
-          </p:txBody>
-        </p:sp>
-        <p:sp>
-          <p:nvSpPr>
-            <p:cNvPr id="39" name="ïslïďè"/>
-            <p:cNvSpPr/>
-            <p:nvPr/>
-          </p:nvSpPr>
-          <p:spPr bwMode="auto">
-            <a:xfrm>
-              <a:off x="5756568" y="2981424"/>
-              <a:ext cx="144016" cy="144016"/>
-            </a:xfrm>
-            <a:prstGeom prst="ellipse">
-              <a:avLst/>
-            </a:prstGeom>
-            <a:solidFill>
-              <a:schemeClr val="bg1"/>
-            </a:solidFill>
-            <a:ln w="19050" cap="flat" cmpd="sng" algn="ctr">
-              <a:solidFill>
-                <a:schemeClr val="bg1">
-                  <a:lumMod val="65000"/>
                 </a:schemeClr>
               </a:solidFill>
               <a:prstDash val="solid"/>
@@ -13160,96 +12944,6 @@
                     <a:latin typeface="Impact" panose="020B0806030902050204" pitchFamily="34" charset="0"/>
                   </a:rPr>
                   <a:t>01</a:t>
-                </a:r>
-              </a:p>
-            </p:txBody>
-          </p:sp>
-        </p:grpSp>
-        <p:grpSp>
-          <p:nvGrpSpPr>
-            <p:cNvPr id="44" name="ïšḷiḋè"/>
-            <p:cNvGrpSpPr/>
-            <p:nvPr/>
-          </p:nvGrpSpPr>
-          <p:grpSpPr>
-            <a:xfrm>
-              <a:off x="4907868" y="2755496"/>
-              <a:ext cx="595872" cy="595872"/>
-              <a:chOff x="5283304" y="2200312"/>
-              <a:chExt cx="595872" cy="595872"/>
-            </a:xfrm>
-            <a:solidFill>
-              <a:schemeClr val="bg1">
-                <a:lumMod val="65000"/>
-              </a:schemeClr>
-            </a:solidFill>
-          </p:grpSpPr>
-          <p:sp>
-            <p:nvSpPr>
-              <p:cNvPr id="63" name="ïşliḍé"/>
-              <p:cNvSpPr/>
-              <p:nvPr/>
-            </p:nvSpPr>
-            <p:spPr bwMode="auto">
-              <a:xfrm rot="2691234">
-                <a:off x="5283304" y="2200312"/>
-                <a:ext cx="595872" cy="595872"/>
-              </a:xfrm>
-              <a:prstGeom prst="teardrop">
-                <a:avLst/>
-              </a:prstGeom>
-              <a:grpFill/>
-              <a:ln w="19050">
-                <a:noFill/>
-                <a:round/>
-              </a:ln>
-            </p:spPr>
-            <p:txBody>
-              <a:bodyPr anchor="ctr"/>
-              <a:lstStyle/>
-              <a:p>
-                <a:pPr algn="ctr"/>
-                <a:endParaRPr/>
-              </a:p>
-            </p:txBody>
-          </p:sp>
-          <p:sp>
-            <p:nvSpPr>
-              <p:cNvPr id="64" name="íṩḷíḍé"/>
-              <p:cNvSpPr/>
-              <p:nvPr/>
-            </p:nvSpPr>
-            <p:spPr bwMode="auto">
-              <a:xfrm>
-                <a:off x="5298039" y="2211186"/>
-                <a:ext cx="574124" cy="574124"/>
-              </a:xfrm>
-              <a:prstGeom prst="ellipse">
-                <a:avLst/>
-              </a:prstGeom>
-              <a:grpFill/>
-              <a:ln w="19050">
-                <a:noFill/>
-                <a:round/>
-              </a:ln>
-            </p:spPr>
-            <p:txBody>
-              <a:bodyPr rot="0" spcFirstLastPara="0" vert="horz" wrap="none" lIns="91440" tIns="45720" rIns="91440" bIns="45720" anchor="ctr" anchorCtr="1" forceAA="0" compatLnSpc="1">
-                <a:normAutofit/>
-              </a:bodyPr>
-              <a:lstStyle/>
-              <a:p>
-                <a:pPr algn="ctr"/>
-                <a:r>
-                  <a:rPr lang="en-US" altLang="zh-CN" sz="1600">
-                    <a:solidFill>
-                      <a:schemeClr val="bg1">
-                        <a:lumMod val="100000"/>
-                      </a:schemeClr>
-                    </a:solidFill>
-                    <a:latin typeface="Impact" panose="020B0806030902050204" pitchFamily="34" charset="0"/>
-                  </a:rPr>
-                  <a:t>02</a:t>
                 </a:r>
               </a:p>
             </p:txBody>
@@ -13373,7 +13067,7 @@
               </a:pPr>
               <a:r>
                 <a:rPr lang="zh-CN" altLang="en-US" sz="2400" dirty="0" smtClean="0"/>
-                <a:t>词向量</a:t>
+                <a:t>文本分类</a:t>
               </a:r>
               <a:endParaRPr lang="en-US" altLang="zh-CN" sz="2400" dirty="0"/>
             </a:p>
@@ -13495,51 +13189,10 @@
                   <a:spcPct val="120000"/>
                 </a:lnSpc>
               </a:pPr>
-              <a:r>
-                <a:rPr lang="zh-CN" altLang="en-US" sz="2400" dirty="0" smtClean="0"/>
-                <a:t>语言模型</a:t>
-              </a:r>
               <a:endParaRPr lang="en-US" altLang="zh-CN" sz="2400" dirty="0"/>
             </a:p>
           </p:txBody>
         </p:sp>
-        <p:cxnSp>
-          <p:nvCxnSpPr>
-            <p:cNvPr id="53" name="直接连接符 52"/>
-            <p:cNvCxnSpPr/>
-            <p:nvPr/>
-          </p:nvCxnSpPr>
-          <p:spPr>
-            <a:xfrm>
-              <a:off x="6286500" y="2632088"/>
-              <a:ext cx="5233985" cy="0"/>
-            </a:xfrm>
-            <a:prstGeom prst="line">
-              <a:avLst/>
-            </a:prstGeom>
-            <a:ln w="3175">
-              <a:solidFill>
-                <a:schemeClr val="bg1">
-                  <a:lumMod val="75000"/>
-                </a:schemeClr>
-              </a:solidFill>
-            </a:ln>
-          </p:spPr>
-          <p:style>
-            <a:lnRef idx="1">
-              <a:schemeClr val="accent1"/>
-            </a:lnRef>
-            <a:fillRef idx="0">
-              <a:schemeClr val="accent1"/>
-            </a:fillRef>
-            <a:effectRef idx="0">
-              <a:schemeClr val="accent1"/>
-            </a:effectRef>
-            <a:fontRef idx="minor">
-              <a:schemeClr val="tx1"/>
-            </a:fontRef>
-          </p:style>
-        </p:cxnSp>
       </p:grpSp>
       <p:pic>
         <p:nvPicPr>
@@ -13779,7 +13432,7 @@
           <a:p>
             <a:r>
               <a:rPr lang="zh-TW" altLang="en-US" dirty="0" smtClean="0"/>
-              <a:t>词向量</a:t>
+              <a:t>文本分类</a:t>
             </a:r>
             <a:endParaRPr lang="zh-TW" altLang="en-US" dirty="0"/>
           </a:p>
@@ -16092,8 +15745,8 @@
         </p:blipFill>
         <p:spPr bwMode="auto">
           <a:xfrm>
-            <a:off x="1625600" y="1600200"/>
-            <a:ext cx="7586133" cy="4171950"/>
+            <a:off x="2245895" y="1600200"/>
+            <a:ext cx="6671733" cy="4171950"/>
           </a:xfrm>
           <a:prstGeom prst="rect">
             <a:avLst/>
@@ -16123,188 +15776,6 @@
           </a:extLst>
         </p:spPr>
       </p:pic>
-      <p:sp>
-        <p:nvSpPr>
-          <p:cNvPr id="43013" name="TextBox 1"/>
-          <p:cNvSpPr txBox="1">
-            <a:spLocks noChangeArrowheads="1"/>
-          </p:cNvSpPr>
-          <p:nvPr/>
-        </p:nvSpPr>
-        <p:spPr bwMode="auto">
-          <a:xfrm>
-            <a:off x="7518400" y="762000"/>
-            <a:ext cx="3251200" cy="369888"/>
-          </a:xfrm>
-          <a:prstGeom prst="rect">
-            <a:avLst/>
-          </a:prstGeom>
-          <a:noFill/>
-          <a:ln>
-            <a:noFill/>
-          </a:ln>
-          <a:extLst>
-            <a:ext uri="{909E8E84-426E-40dd-AFC4-6F175D3DCCD1}">
-              <a14:hiddenFill xmlns:a14="http://schemas.microsoft.com/office/drawing/2010/main">
-                <a:solidFill>
-                  <a:srgbClr val="FFFFFF"/>
-                </a:solidFill>
-              </a14:hiddenFill>
-            </a:ext>
-            <a:ext uri="{91240B29-F687-4f45-9708-019B960494DF}">
-              <a14:hiddenLine xmlns:a14="http://schemas.microsoft.com/office/drawing/2010/main" w="9525">
-                <a:solidFill>
-                  <a:srgbClr val="000000"/>
-                </a:solidFill>
-                <a:miter lim="800000"/>
-                <a:headEnd/>
-                <a:tailEnd/>
-              </a14:hiddenLine>
-            </a:ext>
-          </a:extLst>
-        </p:spPr>
-        <p:txBody>
-          <a:bodyPr>
-            <a:spAutoFit/>
-          </a:bodyPr>
-          <a:lstStyle>
-            <a:lvl1pPr eaLnBrk="0" hangingPunct="0">
-              <a:defRPr sz="2400">
-                <a:solidFill>
-                  <a:schemeClr val="tx1"/>
-                </a:solidFill>
-                <a:latin typeface="Times New Roman" charset="0"/>
-                <a:ea typeface="华文新魏" charset="0"/>
-                <a:cs typeface="华文新魏" charset="0"/>
-              </a:defRPr>
-            </a:lvl1pPr>
-            <a:lvl2pPr marL="742950" indent="-285750" eaLnBrk="0" hangingPunct="0">
-              <a:defRPr sz="2400">
-                <a:solidFill>
-                  <a:schemeClr val="tx1"/>
-                </a:solidFill>
-                <a:latin typeface="Times New Roman" charset="0"/>
-                <a:ea typeface="华文新魏" charset="0"/>
-                <a:cs typeface="华文新魏" charset="0"/>
-              </a:defRPr>
-            </a:lvl2pPr>
-            <a:lvl3pPr marL="1143000" indent="-228600" eaLnBrk="0" hangingPunct="0">
-              <a:defRPr sz="2400">
-                <a:solidFill>
-                  <a:schemeClr val="tx1"/>
-                </a:solidFill>
-                <a:latin typeface="Times New Roman" charset="0"/>
-                <a:ea typeface="华文新魏" charset="0"/>
-                <a:cs typeface="华文新魏" charset="0"/>
-              </a:defRPr>
-            </a:lvl3pPr>
-            <a:lvl4pPr marL="1600200" indent="-228600" eaLnBrk="0" hangingPunct="0">
-              <a:defRPr sz="2400">
-                <a:solidFill>
-                  <a:schemeClr val="tx1"/>
-                </a:solidFill>
-                <a:latin typeface="Times New Roman" charset="0"/>
-                <a:ea typeface="华文新魏" charset="0"/>
-                <a:cs typeface="华文新魏" charset="0"/>
-              </a:defRPr>
-            </a:lvl4pPr>
-            <a:lvl5pPr marL="2057400" indent="-228600" eaLnBrk="0" hangingPunct="0">
-              <a:defRPr sz="2400">
-                <a:solidFill>
-                  <a:schemeClr val="tx1"/>
-                </a:solidFill>
-                <a:latin typeface="Times New Roman" charset="0"/>
-                <a:ea typeface="华文新魏" charset="0"/>
-                <a:cs typeface="华文新魏" charset="0"/>
-              </a:defRPr>
-            </a:lvl5pPr>
-            <a:lvl6pPr marL="2514600" indent="-228600" eaLnBrk="0" fontAlgn="base" hangingPunct="0">
-              <a:spcBef>
-                <a:spcPct val="0"/>
-              </a:spcBef>
-              <a:spcAft>
-                <a:spcPct val="0"/>
-              </a:spcAft>
-              <a:buFont typeface="Arial" charset="0"/>
-              <a:defRPr sz="2400">
-                <a:solidFill>
-                  <a:schemeClr val="tx1"/>
-                </a:solidFill>
-                <a:latin typeface="Times New Roman" charset="0"/>
-                <a:ea typeface="华文新魏" charset="0"/>
-                <a:cs typeface="华文新魏" charset="0"/>
-              </a:defRPr>
-            </a:lvl6pPr>
-            <a:lvl7pPr marL="2971800" indent="-228600" eaLnBrk="0" fontAlgn="base" hangingPunct="0">
-              <a:spcBef>
-                <a:spcPct val="0"/>
-              </a:spcBef>
-              <a:spcAft>
-                <a:spcPct val="0"/>
-              </a:spcAft>
-              <a:buFont typeface="Arial" charset="0"/>
-              <a:defRPr sz="2400">
-                <a:solidFill>
-                  <a:schemeClr val="tx1"/>
-                </a:solidFill>
-                <a:latin typeface="Times New Roman" charset="0"/>
-                <a:ea typeface="华文新魏" charset="0"/>
-                <a:cs typeface="华文新魏" charset="0"/>
-              </a:defRPr>
-            </a:lvl7pPr>
-            <a:lvl8pPr marL="3429000" indent="-228600" eaLnBrk="0" fontAlgn="base" hangingPunct="0">
-              <a:spcBef>
-                <a:spcPct val="0"/>
-              </a:spcBef>
-              <a:spcAft>
-                <a:spcPct val="0"/>
-              </a:spcAft>
-              <a:buFont typeface="Arial" charset="0"/>
-              <a:defRPr sz="2400">
-                <a:solidFill>
-                  <a:schemeClr val="tx1"/>
-                </a:solidFill>
-                <a:latin typeface="Times New Roman" charset="0"/>
-                <a:ea typeface="华文新魏" charset="0"/>
-                <a:cs typeface="华文新魏" charset="0"/>
-              </a:defRPr>
-            </a:lvl8pPr>
-            <a:lvl9pPr marL="3886200" indent="-228600" eaLnBrk="0" fontAlgn="base" hangingPunct="0">
-              <a:spcBef>
-                <a:spcPct val="0"/>
-              </a:spcBef>
-              <a:spcAft>
-                <a:spcPct val="0"/>
-              </a:spcAft>
-              <a:buFont typeface="Arial" charset="0"/>
-              <a:defRPr sz="2400">
-                <a:solidFill>
-                  <a:schemeClr val="tx1"/>
-                </a:solidFill>
-                <a:latin typeface="Times New Roman" charset="0"/>
-                <a:ea typeface="华文新魏" charset="0"/>
-                <a:cs typeface="华文新魏" charset="0"/>
-              </a:defRPr>
-            </a:lvl9pPr>
-          </a:lstStyle>
-          <a:p>
-            <a:pPr eaLnBrk="1" hangingPunct="1"/>
-            <a:r>
-              <a:rPr lang="en-US" sz="1800"/>
-              <a:t>word</a:t>
-            </a:r>
-            <a:r>
-              <a:rPr lang="zh-CN" altLang="en-US" sz="1800"/>
-              <a:t> </a:t>
-            </a:r>
-            <a:r>
-              <a:rPr lang="en-US" altLang="zh-CN" sz="1800"/>
-              <a:t>averaging</a:t>
-            </a:r>
-            <a:endParaRPr lang="en-US" sz="1800"/>
-          </a:p>
-        </p:txBody>
-      </p:sp>
     </p:spTree>
     <p:extLst>
       <p:ext uri="{BB962C8B-B14F-4D97-AF65-F5344CB8AC3E}">
@@ -16315,11 +15786,11 @@
   <p:clrMapOvr>
     <a:masterClrMapping/>
   </p:clrMapOvr>
-  <mc:AlternateContent xmlns:mc="http://schemas.openxmlformats.org/markup-compatibility/2006">
-    <mc:Choice xmlns:p14="http://schemas.microsoft.com/office/powerpoint/2010/main" Requires="p14">
+  <mc:AlternateContent xmlns:mc="http://schemas.openxmlformats.org/markup-compatibility/2006" xmlns:p14="http://schemas.microsoft.com/office/powerpoint/2010/main">
+    <mc:Choice Requires="p14">
       <p:transition spd="slow" p14:dur="2000"/>
     </mc:Choice>
-    <mc:Fallback>
+    <mc:Fallback xmlns="">
       <p:transition xmlns:p14="http://schemas.microsoft.com/office/powerpoint/2010/main" spd="slow"/>
     </mc:Fallback>
   </mc:AlternateContent>
@@ -19461,188 +18932,6 @@
           </a:p>
         </p:txBody>
       </p:sp>
-      <p:sp>
-        <p:nvSpPr>
-          <p:cNvPr id="44077" name="TextBox 2"/>
-          <p:cNvSpPr txBox="1">
-            <a:spLocks noChangeArrowheads="1"/>
-          </p:cNvSpPr>
-          <p:nvPr/>
-        </p:nvSpPr>
-        <p:spPr bwMode="auto">
-          <a:xfrm>
-            <a:off x="7010400" y="228600"/>
-            <a:ext cx="4876800" cy="369888"/>
-          </a:xfrm>
-          <a:prstGeom prst="rect">
-            <a:avLst/>
-          </a:prstGeom>
-          <a:noFill/>
-          <a:ln>
-            <a:noFill/>
-          </a:ln>
-          <a:extLst>
-            <a:ext uri="{909E8E84-426E-40dd-AFC4-6F175D3DCCD1}">
-              <a14:hiddenFill xmlns:a14="http://schemas.microsoft.com/office/drawing/2010/main">
-                <a:solidFill>
-                  <a:srgbClr val="FFFFFF"/>
-                </a:solidFill>
-              </a14:hiddenFill>
-            </a:ext>
-            <a:ext uri="{91240B29-F687-4f45-9708-019B960494DF}">
-              <a14:hiddenLine xmlns:a14="http://schemas.microsoft.com/office/drawing/2010/main" w="9525">
-                <a:solidFill>
-                  <a:srgbClr val="000000"/>
-                </a:solidFill>
-                <a:miter lim="800000"/>
-                <a:headEnd/>
-                <a:tailEnd/>
-              </a14:hiddenLine>
-            </a:ext>
-          </a:extLst>
-        </p:spPr>
-        <p:txBody>
-          <a:bodyPr>
-            <a:spAutoFit/>
-          </a:bodyPr>
-          <a:lstStyle>
-            <a:lvl1pPr eaLnBrk="0" hangingPunct="0">
-              <a:defRPr sz="2400">
-                <a:solidFill>
-                  <a:schemeClr val="tx1"/>
-                </a:solidFill>
-                <a:latin typeface="Times New Roman" charset="0"/>
-                <a:ea typeface="华文新魏" charset="0"/>
-                <a:cs typeface="华文新魏" charset="0"/>
-              </a:defRPr>
-            </a:lvl1pPr>
-            <a:lvl2pPr marL="742950" indent="-285750" eaLnBrk="0" hangingPunct="0">
-              <a:defRPr sz="2400">
-                <a:solidFill>
-                  <a:schemeClr val="tx1"/>
-                </a:solidFill>
-                <a:latin typeface="Times New Roman" charset="0"/>
-                <a:ea typeface="华文新魏" charset="0"/>
-                <a:cs typeface="华文新魏" charset="0"/>
-              </a:defRPr>
-            </a:lvl2pPr>
-            <a:lvl3pPr marL="1143000" indent="-228600" eaLnBrk="0" hangingPunct="0">
-              <a:defRPr sz="2400">
-                <a:solidFill>
-                  <a:schemeClr val="tx1"/>
-                </a:solidFill>
-                <a:latin typeface="Times New Roman" charset="0"/>
-                <a:ea typeface="华文新魏" charset="0"/>
-                <a:cs typeface="华文新魏" charset="0"/>
-              </a:defRPr>
-            </a:lvl3pPr>
-            <a:lvl4pPr marL="1600200" indent="-228600" eaLnBrk="0" hangingPunct="0">
-              <a:defRPr sz="2400">
-                <a:solidFill>
-                  <a:schemeClr val="tx1"/>
-                </a:solidFill>
-                <a:latin typeface="Times New Roman" charset="0"/>
-                <a:ea typeface="华文新魏" charset="0"/>
-                <a:cs typeface="华文新魏" charset="0"/>
-              </a:defRPr>
-            </a:lvl4pPr>
-            <a:lvl5pPr marL="2057400" indent="-228600" eaLnBrk="0" hangingPunct="0">
-              <a:defRPr sz="2400">
-                <a:solidFill>
-                  <a:schemeClr val="tx1"/>
-                </a:solidFill>
-                <a:latin typeface="Times New Roman" charset="0"/>
-                <a:ea typeface="华文新魏" charset="0"/>
-                <a:cs typeface="华文新魏" charset="0"/>
-              </a:defRPr>
-            </a:lvl5pPr>
-            <a:lvl6pPr marL="2514600" indent="-228600" eaLnBrk="0" fontAlgn="base" hangingPunct="0">
-              <a:spcBef>
-                <a:spcPct val="0"/>
-              </a:spcBef>
-              <a:spcAft>
-                <a:spcPct val="0"/>
-              </a:spcAft>
-              <a:buFont typeface="Arial" charset="0"/>
-              <a:defRPr sz="2400">
-                <a:solidFill>
-                  <a:schemeClr val="tx1"/>
-                </a:solidFill>
-                <a:latin typeface="Times New Roman" charset="0"/>
-                <a:ea typeface="华文新魏" charset="0"/>
-                <a:cs typeface="华文新魏" charset="0"/>
-              </a:defRPr>
-            </a:lvl6pPr>
-            <a:lvl7pPr marL="2971800" indent="-228600" eaLnBrk="0" fontAlgn="base" hangingPunct="0">
-              <a:spcBef>
-                <a:spcPct val="0"/>
-              </a:spcBef>
-              <a:spcAft>
-                <a:spcPct val="0"/>
-              </a:spcAft>
-              <a:buFont typeface="Arial" charset="0"/>
-              <a:defRPr sz="2400">
-                <a:solidFill>
-                  <a:schemeClr val="tx1"/>
-                </a:solidFill>
-                <a:latin typeface="Times New Roman" charset="0"/>
-                <a:ea typeface="华文新魏" charset="0"/>
-                <a:cs typeface="华文新魏" charset="0"/>
-              </a:defRPr>
-            </a:lvl7pPr>
-            <a:lvl8pPr marL="3429000" indent="-228600" eaLnBrk="0" fontAlgn="base" hangingPunct="0">
-              <a:spcBef>
-                <a:spcPct val="0"/>
-              </a:spcBef>
-              <a:spcAft>
-                <a:spcPct val="0"/>
-              </a:spcAft>
-              <a:buFont typeface="Arial" charset="0"/>
-              <a:defRPr sz="2400">
-                <a:solidFill>
-                  <a:schemeClr val="tx1"/>
-                </a:solidFill>
-                <a:latin typeface="Times New Roman" charset="0"/>
-                <a:ea typeface="华文新魏" charset="0"/>
-                <a:cs typeface="华文新魏" charset="0"/>
-              </a:defRPr>
-            </a:lvl8pPr>
-            <a:lvl9pPr marL="3886200" indent="-228600" eaLnBrk="0" fontAlgn="base" hangingPunct="0">
-              <a:spcBef>
-                <a:spcPct val="0"/>
-              </a:spcBef>
-              <a:spcAft>
-                <a:spcPct val="0"/>
-              </a:spcAft>
-              <a:buFont typeface="Arial" charset="0"/>
-              <a:defRPr sz="2400">
-                <a:solidFill>
-                  <a:schemeClr val="tx1"/>
-                </a:solidFill>
-                <a:latin typeface="Times New Roman" charset="0"/>
-                <a:ea typeface="华文新魏" charset="0"/>
-                <a:cs typeface="华文新魏" charset="0"/>
-              </a:defRPr>
-            </a:lvl9pPr>
-          </a:lstStyle>
-          <a:p>
-            <a:pPr eaLnBrk="1" hangingPunct="1"/>
-            <a:r>
-              <a:rPr lang="en-US" sz="1800"/>
-              <a:t>RNN</a:t>
-            </a:r>
-            <a:r>
-              <a:rPr lang="zh-CN" altLang="en-US" sz="1800"/>
-              <a:t> </a:t>
-            </a:r>
-            <a:r>
-              <a:rPr lang="en-US" altLang="zh-CN" sz="1800"/>
-              <a:t>+ averaging</a:t>
-            </a:r>
-            <a:endParaRPr lang="en-US" sz="1800"/>
-          </a:p>
-        </p:txBody>
-      </p:sp>
     </p:spTree>
     <p:extLst>
       <p:ext uri="{BB962C8B-B14F-4D97-AF65-F5344CB8AC3E}">
@@ -19653,11 +18942,11 @@
   <p:clrMapOvr>
     <a:masterClrMapping/>
   </p:clrMapOvr>
-  <mc:AlternateContent xmlns:mc="http://schemas.openxmlformats.org/markup-compatibility/2006">
-    <mc:Choice xmlns:p14="http://schemas.microsoft.com/office/powerpoint/2010/main" Requires="p14">
+  <mc:AlternateContent xmlns:mc="http://schemas.openxmlformats.org/markup-compatibility/2006" xmlns:p14="http://schemas.microsoft.com/office/powerpoint/2010/main">
+    <mc:Choice Requires="p14">
       <p:transition spd="slow" p14:dur="2000"/>
     </mc:Choice>
-    <mc:Fallback>
+    <mc:Fallback xmlns="">
       <p:transition xmlns:p14="http://schemas.microsoft.com/office/powerpoint/2010/main" spd="slow"/>
     </mc:Fallback>
   </mc:AlternateContent>
